--- a/docs/source/_static/tutorials/clock_driven/15_recurrent_connection_and_stateful_synapse/ppt/nets.pptx
+++ b/docs/source/_static/tutorials/clock_driven/15_recurrent_connection_and_stateful_synapse/ppt/nets.pptx
@@ -5430,6 +5430,48 @@
           </a:p>
         </p:txBody>
       </p:sp>
+      <p:cxnSp>
+        <p:nvCxnSpPr>
+          <p:cNvPr id="5" name="直接箭头连接符 4">
+            <a:extLst>
+              <a:ext uri="{FF2B5EF4-FFF2-40B4-BE49-F238E27FC236}">
+                <a16:creationId xmlns:a16="http://schemas.microsoft.com/office/drawing/2014/main" id="{E6C8B983-ABD2-4DF7-B9CE-1B1D24B30837}"/>
+              </a:ext>
+            </a:extLst>
+          </p:cNvPr>
+          <p:cNvCxnSpPr>
+            <a:stCxn id="36" idx="2"/>
+            <a:endCxn id="35" idx="0"/>
+          </p:cNvCxnSpPr>
+          <p:nvPr/>
+        </p:nvCxnSpPr>
+        <p:spPr>
+          <a:xfrm>
+            <a:off x="9153709" y="2702832"/>
+            <a:ext cx="0" cy="177530"/>
+          </a:xfrm>
+          <a:prstGeom prst="straightConnector1">
+            <a:avLst/>
+          </a:prstGeom>
+          <a:ln>
+            <a:tailEnd type="triangle"/>
+          </a:ln>
+        </p:spPr>
+        <p:style>
+          <a:lnRef idx="1">
+            <a:schemeClr val="accent1"/>
+          </a:lnRef>
+          <a:fillRef idx="0">
+            <a:schemeClr val="accent1"/>
+          </a:fillRef>
+          <a:effectRef idx="0">
+            <a:schemeClr val="accent1"/>
+          </a:effectRef>
+          <a:fontRef idx="minor">
+            <a:schemeClr val="tx1"/>
+          </a:fontRef>
+        </p:style>
+      </p:cxnSp>
     </p:spTree>
     <p:extLst>
       <p:ext uri="{BB962C8B-B14F-4D97-AF65-F5344CB8AC3E}">
